--- a/figures.pptx
+++ b/figures.pptx
@@ -6,6 +6,8 @@
   </p:sldMasterIdLst>
   <p:sldIdLst>
     <p:sldId id="256" r:id="rId2"/>
+    <p:sldId id="257" r:id="rId3"/>
+    <p:sldId id="258" r:id="rId4"/>
   </p:sldIdLst>
   <p:sldSz cx="12192000" cy="6858000"/>
   <p:notesSz cx="6858000" cy="9144000"/>
@@ -243,7 +245,7 @@
           <a:p>
             <a:fld id="{5CDD4DBC-32BA-4919-9680-36183586AE84}" type="datetimeFigureOut">
               <a:rPr lang="en-US" smtClean="0"/>
-              <a:t>1/26/2018</a:t>
+              <a:t>2/9/2018</a:t>
             </a:fld>
             <a:endParaRPr lang="en-US"/>
           </a:p>
@@ -413,7 +415,7 @@
           <a:p>
             <a:fld id="{5CDD4DBC-32BA-4919-9680-36183586AE84}" type="datetimeFigureOut">
               <a:rPr lang="en-US" smtClean="0"/>
-              <a:t>1/26/2018</a:t>
+              <a:t>2/9/2018</a:t>
             </a:fld>
             <a:endParaRPr lang="en-US"/>
           </a:p>
@@ -593,7 +595,7 @@
           <a:p>
             <a:fld id="{5CDD4DBC-32BA-4919-9680-36183586AE84}" type="datetimeFigureOut">
               <a:rPr lang="en-US" smtClean="0"/>
-              <a:t>1/26/2018</a:t>
+              <a:t>2/9/2018</a:t>
             </a:fld>
             <a:endParaRPr lang="en-US"/>
           </a:p>
@@ -763,7 +765,7 @@
           <a:p>
             <a:fld id="{5CDD4DBC-32BA-4919-9680-36183586AE84}" type="datetimeFigureOut">
               <a:rPr lang="en-US" smtClean="0"/>
-              <a:t>1/26/2018</a:t>
+              <a:t>2/9/2018</a:t>
             </a:fld>
             <a:endParaRPr lang="en-US"/>
           </a:p>
@@ -1009,7 +1011,7 @@
           <a:p>
             <a:fld id="{5CDD4DBC-32BA-4919-9680-36183586AE84}" type="datetimeFigureOut">
               <a:rPr lang="en-US" smtClean="0"/>
-              <a:t>1/26/2018</a:t>
+              <a:t>2/9/2018</a:t>
             </a:fld>
             <a:endParaRPr lang="en-US"/>
           </a:p>
@@ -1241,7 +1243,7 @@
           <a:p>
             <a:fld id="{5CDD4DBC-32BA-4919-9680-36183586AE84}" type="datetimeFigureOut">
               <a:rPr lang="en-US" smtClean="0"/>
-              <a:t>1/26/2018</a:t>
+              <a:t>2/9/2018</a:t>
             </a:fld>
             <a:endParaRPr lang="en-US"/>
           </a:p>
@@ -1608,7 +1610,7 @@
           <a:p>
             <a:fld id="{5CDD4DBC-32BA-4919-9680-36183586AE84}" type="datetimeFigureOut">
               <a:rPr lang="en-US" smtClean="0"/>
-              <a:t>1/26/2018</a:t>
+              <a:t>2/9/2018</a:t>
             </a:fld>
             <a:endParaRPr lang="en-US"/>
           </a:p>
@@ -1726,7 +1728,7 @@
           <a:p>
             <a:fld id="{5CDD4DBC-32BA-4919-9680-36183586AE84}" type="datetimeFigureOut">
               <a:rPr lang="en-US" smtClean="0"/>
-              <a:t>1/26/2018</a:t>
+              <a:t>2/9/2018</a:t>
             </a:fld>
             <a:endParaRPr lang="en-US"/>
           </a:p>
@@ -1821,7 +1823,7 @@
           <a:p>
             <a:fld id="{5CDD4DBC-32BA-4919-9680-36183586AE84}" type="datetimeFigureOut">
               <a:rPr lang="en-US" smtClean="0"/>
-              <a:t>1/26/2018</a:t>
+              <a:t>2/9/2018</a:t>
             </a:fld>
             <a:endParaRPr lang="en-US"/>
           </a:p>
@@ -2098,7 +2100,7 @@
           <a:p>
             <a:fld id="{5CDD4DBC-32BA-4919-9680-36183586AE84}" type="datetimeFigureOut">
               <a:rPr lang="en-US" smtClean="0"/>
-              <a:t>1/26/2018</a:t>
+              <a:t>2/9/2018</a:t>
             </a:fld>
             <a:endParaRPr lang="en-US"/>
           </a:p>
@@ -2351,7 +2353,7 @@
           <a:p>
             <a:fld id="{5CDD4DBC-32BA-4919-9680-36183586AE84}" type="datetimeFigureOut">
               <a:rPr lang="en-US" smtClean="0"/>
-              <a:t>1/26/2018</a:t>
+              <a:t>2/9/2018</a:t>
             </a:fld>
             <a:endParaRPr lang="en-US"/>
           </a:p>
@@ -2564,7 +2566,7 @@
           <a:p>
             <a:fld id="{5CDD4DBC-32BA-4919-9680-36183586AE84}" type="datetimeFigureOut">
               <a:rPr lang="en-US" smtClean="0"/>
-              <a:t>1/26/2018</a:t>
+              <a:t>2/9/2018</a:t>
             </a:fld>
             <a:endParaRPr lang="en-US"/>
           </a:p>
@@ -3018,10 +3020,7 @@
             <a:avLst/>
           </a:prstGeom>
           <a:solidFill>
-            <a:schemeClr val="tx1">
-              <a:lumMod val="75000"/>
-              <a:lumOff val="25000"/>
-            </a:schemeClr>
+            <a:srgbClr val="7D7D7D"/>
           </a:solidFill>
           <a:ln w="25400">
             <a:solidFill>
@@ -3279,6 +3278,129 @@
     <p:extLst>
       <p:ext uri="{BB962C8B-B14F-4D97-AF65-F5344CB8AC3E}">
         <p14:creationId xmlns:p14="http://schemas.microsoft.com/office/powerpoint/2010/main" val="900985226"/>
+      </p:ext>
+    </p:extLst>
+  </p:cSld>
+  <p:clrMapOvr>
+    <a:masterClrMapping/>
+  </p:clrMapOvr>
+</p:sld>
+</file>
+
+<file path=ppt/slides/slide2.xml><?xml version="1.0" encoding="utf-8"?>
+<p:sld xmlns:a="http://schemas.openxmlformats.org/drawingml/2006/main" xmlns:r="http://schemas.openxmlformats.org/officeDocument/2006/relationships" xmlns:p="http://schemas.openxmlformats.org/presentationml/2006/main">
+  <p:cSld>
+    <p:spTree>
+      <p:nvGrpSpPr>
+        <p:cNvPr id="1" name=""/>
+        <p:cNvGrpSpPr/>
+        <p:nvPr/>
+      </p:nvGrpSpPr>
+      <p:grpSpPr>
+        <a:xfrm>
+          <a:off x="0" y="0"/>
+          <a:ext cx="0" cy="0"/>
+          <a:chOff x="0" y="0"/>
+          <a:chExt cx="0" cy="0"/>
+        </a:xfrm>
+      </p:grpSpPr>
+      <p:sp>
+        <p:nvSpPr>
+          <p:cNvPr id="4" name="TextBox 3"/>
+          <p:cNvSpPr txBox="1"/>
+          <p:nvPr/>
+        </p:nvSpPr>
+        <p:spPr>
+          <a:xfrm>
+            <a:off x="299875" y="255814"/>
+            <a:ext cx="9321463" cy="7694414"/>
+          </a:xfrm>
+          <a:prstGeom prst="rect">
+            <a:avLst/>
+          </a:prstGeom>
+          <a:noFill/>
+        </p:spPr>
+        <p:txBody>
+          <a:bodyPr wrap="none" lIns="0" tIns="0" rIns="0" bIns="0" rtlCol="0">
+            <a:spAutoFit/>
+          </a:bodyPr>
+          <a:lstStyle/>
+          <a:p>
+            <a:r>
+              <a:rPr lang="en-US" sz="50000" b="1" dirty="0" smtClean="0">
+                <a:latin typeface="Cooper Black" panose="0208090404030B020404" pitchFamily="18" charset="0"/>
+              </a:rPr>
+              <a:t>Lit</a:t>
+            </a:r>
+            <a:endParaRPr lang="en-US" sz="50000" b="1" dirty="0">
+              <a:latin typeface="Cooper Black" panose="0208090404030B020404" pitchFamily="18" charset="0"/>
+            </a:endParaRPr>
+          </a:p>
+        </p:txBody>
+      </p:sp>
+    </p:spTree>
+    <p:extLst>
+      <p:ext uri="{BB962C8B-B14F-4D97-AF65-F5344CB8AC3E}">
+        <p14:creationId xmlns:p14="http://schemas.microsoft.com/office/powerpoint/2010/main" val="1303905198"/>
+      </p:ext>
+    </p:extLst>
+  </p:cSld>
+  <p:clrMapOvr>
+    <a:masterClrMapping/>
+  </p:clrMapOvr>
+</p:sld>
+</file>
+
+<file path=ppt/slides/slide3.xml><?xml version="1.0" encoding="utf-8"?>
+<p:sld xmlns:a="http://schemas.openxmlformats.org/drawingml/2006/main" xmlns:r="http://schemas.openxmlformats.org/officeDocument/2006/relationships" xmlns:p="http://schemas.openxmlformats.org/presentationml/2006/main">
+  <p:cSld>
+    <p:spTree>
+      <p:nvGrpSpPr>
+        <p:cNvPr id="1" name=""/>
+        <p:cNvGrpSpPr/>
+        <p:nvPr/>
+      </p:nvGrpSpPr>
+      <p:grpSpPr>
+        <a:xfrm>
+          <a:off x="0" y="0"/>
+          <a:ext cx="0" cy="0"/>
+          <a:chOff x="0" y="0"/>
+          <a:chExt cx="0" cy="0"/>
+        </a:xfrm>
+      </p:grpSpPr>
+      <p:pic>
+        <p:nvPicPr>
+          <p:cNvPr id="4" name="Picture 3"/>
+          <p:cNvPicPr>
+            <a:picLocks noChangeAspect="1"/>
+          </p:cNvPicPr>
+          <p:nvPr/>
+        </p:nvPicPr>
+        <p:blipFill rotWithShape="1">
+          <a:blip r:embed="rId2" cstate="print">
+            <a:extLst>
+              <a:ext uri="{28A0092B-C50C-407E-A947-70E740481C1C}">
+                <a14:useLocalDpi xmlns:a14="http://schemas.microsoft.com/office/drawing/2010/main" val="0"/>
+              </a:ext>
+            </a:extLst>
+          </a:blip>
+          <a:srcRect l="21964" t="25249" r="20653" b="37730"/>
+          <a:stretch/>
+        </p:blipFill>
+        <p:spPr>
+          <a:xfrm>
+            <a:off x="3667328" y="1731523"/>
+            <a:ext cx="4970834" cy="2538920"/>
+          </a:xfrm>
+          <a:prstGeom prst="rect">
+            <a:avLst/>
+          </a:prstGeom>
+        </p:spPr>
+      </p:pic>
+    </p:spTree>
+    <p:extLst>
+      <p:ext uri="{BB962C8B-B14F-4D97-AF65-F5344CB8AC3E}">
+        <p14:creationId xmlns:p14="http://schemas.microsoft.com/office/powerpoint/2010/main" val="3815435216"/>
       </p:ext>
     </p:extLst>
   </p:cSld>
